--- a/images/figures_extra.pptx
+++ b/images/figures_extra.pptx
@@ -6,7 +6,10 @@
   </p:sldMasterIdLst>
   <p:sldIdLst>
     <p:sldId id="256" r:id="rId2"/>
-    <p:sldId id="257" r:id="rId3"/>
+    <p:sldId id="260" r:id="rId3"/>
+    <p:sldId id="257" r:id="rId4"/>
+    <p:sldId id="259" r:id="rId5"/>
+    <p:sldId id="258" r:id="rId6"/>
   </p:sldIdLst>
   <p:sldSz cx="12192000" cy="6858000"/>
   <p:notesSz cx="6858000" cy="9144000"/>
@@ -105,7 +108,286 @@
       </a:defRPr>
     </a:lvl9pPr>
   </p:defaultTextStyle>
+  <p:extLst>
+    <p:ext uri="{EFAFB233-063F-42B5-8137-9DF3F51BA10A}">
+      <p15:sldGuideLst xmlns:p15="http://schemas.microsoft.com/office/powerpoint/2012/main"/>
+    </p:ext>
+  </p:extLst>
 </p:presentation>
+</file>
+
+<file path=ppt/revisionInfo.xml><?xml version="1.0" encoding="utf-8"?>
+<p1510:revInfo xmlns:a="http://schemas.openxmlformats.org/drawingml/2006/main" xmlns:r="http://schemas.openxmlformats.org/officeDocument/2006/relationships" xmlns:p1510="http://schemas.microsoft.com/office/powerpoint/2015/10/main">
+  <p1510:revLst>
+    <p1510:client id="{65D38C46-F71C-214E-97B6-23F3B13950A4}" v="11" dt="2025-08-26T14:44:13.411"/>
+  </p1510:revLst>
+</p1510:revInfo>
+</file>
+
+<file path=ppt/changesInfos/changesInfo1.xml><?xml version="1.0" encoding="utf-8"?>
+<pc:chgInfo xmlns:a="http://schemas.openxmlformats.org/drawingml/2006/main" xmlns:r="http://schemas.openxmlformats.org/officeDocument/2006/relationships" xmlns:ac="http://schemas.microsoft.com/office/drawing/2013/main/command" xmlns:pc="http://schemas.microsoft.com/office/powerpoint/2013/main/command">
+  <pc:docChgLst>
+    <pc:chgData name="Melina Souza-Leite" userId="c67269ca-6720-4fd5-bd7e-644167bb9eee" providerId="ADAL" clId="{CD7D4478-5AC0-5D7D-BB2F-D4F1FCF10A58}"/>
+    <pc:docChg chg="undo custSel addSld modSld sldOrd">
+      <pc:chgData name="Melina Souza-Leite" userId="c67269ca-6720-4fd5-bd7e-644167bb9eee" providerId="ADAL" clId="{CD7D4478-5AC0-5D7D-BB2F-D4F1FCF10A58}" dt="2025-08-26T14:44:37.946" v="128" actId="732"/>
+      <pc:docMkLst>
+        <pc:docMk/>
+      </pc:docMkLst>
+      <pc:sldChg chg="modSp mod">
+        <pc:chgData name="Melina Souza-Leite" userId="c67269ca-6720-4fd5-bd7e-644167bb9eee" providerId="ADAL" clId="{CD7D4478-5AC0-5D7D-BB2F-D4F1FCF10A58}" dt="2025-08-26T10:06:09.309" v="80" actId="20577"/>
+        <pc:sldMkLst>
+          <pc:docMk/>
+          <pc:sldMk cId="178130780" sldId="256"/>
+        </pc:sldMkLst>
+        <pc:spChg chg="mod">
+          <ac:chgData name="Melina Souza-Leite" userId="c67269ca-6720-4fd5-bd7e-644167bb9eee" providerId="ADAL" clId="{CD7D4478-5AC0-5D7D-BB2F-D4F1FCF10A58}" dt="2025-08-26T10:06:09.309" v="80" actId="20577"/>
+          <ac:spMkLst>
+            <pc:docMk/>
+            <pc:sldMk cId="178130780" sldId="256"/>
+            <ac:spMk id="77" creationId="{85871821-39B7-524E-AB18-DDFD281ECF1E}"/>
+          </ac:spMkLst>
+        </pc:spChg>
+      </pc:sldChg>
+      <pc:sldChg chg="addSp delSp modSp new mod setBg">
+        <pc:chgData name="Melina Souza-Leite" userId="c67269ca-6720-4fd5-bd7e-644167bb9eee" providerId="ADAL" clId="{CD7D4478-5AC0-5D7D-BB2F-D4F1FCF10A58}" dt="2025-08-26T14:44:37.946" v="128" actId="732"/>
+        <pc:sldMkLst>
+          <pc:docMk/>
+          <pc:sldMk cId="3769678540" sldId="258"/>
+        </pc:sldMkLst>
+        <pc:spChg chg="add del">
+          <ac:chgData name="Melina Souza-Leite" userId="c67269ca-6720-4fd5-bd7e-644167bb9eee" providerId="ADAL" clId="{CD7D4478-5AC0-5D7D-BB2F-D4F1FCF10A58}" dt="2025-08-26T07:30:35.998" v="16" actId="26606"/>
+          <ac:spMkLst>
+            <pc:docMk/>
+            <pc:sldMk cId="3769678540" sldId="258"/>
+            <ac:spMk id="8" creationId="{42A4FC2C-047E-45A5-965D-8E1E3BF09BC6}"/>
+          </ac:spMkLst>
+        </pc:spChg>
+        <pc:picChg chg="add del mod modCrop">
+          <ac:chgData name="Melina Souza-Leite" userId="c67269ca-6720-4fd5-bd7e-644167bb9eee" providerId="ADAL" clId="{CD7D4478-5AC0-5D7D-BB2F-D4F1FCF10A58}" dt="2025-08-26T14:44:10.268" v="124" actId="478"/>
+          <ac:picMkLst>
+            <pc:docMk/>
+            <pc:sldMk cId="3769678540" sldId="258"/>
+            <ac:picMk id="3" creationId="{B04C548D-E1BB-2C2A-8ACD-CB12817C5BF0}"/>
+          </ac:picMkLst>
+        </pc:picChg>
+        <pc:picChg chg="add del mod modCrop">
+          <ac:chgData name="Melina Souza-Leite" userId="c67269ca-6720-4fd5-bd7e-644167bb9eee" providerId="ADAL" clId="{CD7D4478-5AC0-5D7D-BB2F-D4F1FCF10A58}" dt="2025-08-26T14:44:09.151" v="123" actId="478"/>
+          <ac:picMkLst>
+            <pc:docMk/>
+            <pc:sldMk cId="3769678540" sldId="258"/>
+            <ac:picMk id="5" creationId="{7429AA5B-C67A-774D-DD12-DFAA1F9E65B2}"/>
+          </ac:picMkLst>
+        </pc:picChg>
+        <pc:picChg chg="add mod modCrop">
+          <ac:chgData name="Melina Souza-Leite" userId="c67269ca-6720-4fd5-bd7e-644167bb9eee" providerId="ADAL" clId="{CD7D4478-5AC0-5D7D-BB2F-D4F1FCF10A58}" dt="2025-08-26T14:44:37.946" v="128" actId="732"/>
+          <ac:picMkLst>
+            <pc:docMk/>
+            <pc:sldMk cId="3769678540" sldId="258"/>
+            <ac:picMk id="6" creationId="{655CEC71-ACF5-2550-F655-7BFD7CEA6B7E}"/>
+          </ac:picMkLst>
+        </pc:picChg>
+      </pc:sldChg>
+      <pc:sldChg chg="addSp delSp modSp new mod ord">
+        <pc:chgData name="Melina Souza-Leite" userId="c67269ca-6720-4fd5-bd7e-644167bb9eee" providerId="ADAL" clId="{CD7D4478-5AC0-5D7D-BB2F-D4F1FCF10A58}" dt="2025-08-26T14:42:28.843" v="122" actId="732"/>
+        <pc:sldMkLst>
+          <pc:docMk/>
+          <pc:sldMk cId="3732661656" sldId="259"/>
+        </pc:sldMkLst>
+        <pc:picChg chg="add del mod modCrop">
+          <ac:chgData name="Melina Souza-Leite" userId="c67269ca-6720-4fd5-bd7e-644167bb9eee" providerId="ADAL" clId="{CD7D4478-5AC0-5D7D-BB2F-D4F1FCF10A58}" dt="2025-08-26T14:41:34.381" v="116" actId="478"/>
+          <ac:picMkLst>
+            <pc:docMk/>
+            <pc:sldMk cId="3732661656" sldId="259"/>
+            <ac:picMk id="3" creationId="{4C4EBF0A-52ED-7FE9-3F68-FF1008EB0D85}"/>
+          </ac:picMkLst>
+        </pc:picChg>
+        <pc:picChg chg="add mod modCrop">
+          <ac:chgData name="Melina Souza-Leite" userId="c67269ca-6720-4fd5-bd7e-644167bb9eee" providerId="ADAL" clId="{CD7D4478-5AC0-5D7D-BB2F-D4F1FCF10A58}" dt="2025-08-26T14:42:28.843" v="122" actId="732"/>
+          <ac:picMkLst>
+            <pc:docMk/>
+            <pc:sldMk cId="3732661656" sldId="259"/>
+            <ac:picMk id="5" creationId="{3F05589C-D4E4-B80D-E5AE-FDD1B28D3C8E}"/>
+          </ac:picMkLst>
+        </pc:picChg>
+      </pc:sldChg>
+      <pc:sldChg chg="addSp modSp new mod">
+        <pc:chgData name="Melina Souza-Leite" userId="c67269ca-6720-4fd5-bd7e-644167bb9eee" providerId="ADAL" clId="{CD7D4478-5AC0-5D7D-BB2F-D4F1FCF10A58}" dt="2025-08-26T11:35:57.003" v="115" actId="164"/>
+        <pc:sldMkLst>
+          <pc:docMk/>
+          <pc:sldMk cId="782841038" sldId="260"/>
+        </pc:sldMkLst>
+        <pc:spChg chg="add mod">
+          <ac:chgData name="Melina Souza-Leite" userId="c67269ca-6720-4fd5-bd7e-644167bb9eee" providerId="ADAL" clId="{CD7D4478-5AC0-5D7D-BB2F-D4F1FCF10A58}" dt="2025-08-26T11:32:54.564" v="85"/>
+          <ac:spMkLst>
+            <pc:docMk/>
+            <pc:sldMk cId="782841038" sldId="260"/>
+            <ac:spMk id="6" creationId="{871F6928-994D-39F0-1FEA-FF45224AE458}"/>
+          </ac:spMkLst>
+        </pc:spChg>
+        <pc:spChg chg="add mod">
+          <ac:chgData name="Melina Souza-Leite" userId="c67269ca-6720-4fd5-bd7e-644167bb9eee" providerId="ADAL" clId="{CD7D4478-5AC0-5D7D-BB2F-D4F1FCF10A58}" dt="2025-08-26T11:32:54.564" v="85"/>
+          <ac:spMkLst>
+            <pc:docMk/>
+            <pc:sldMk cId="782841038" sldId="260"/>
+            <ac:spMk id="7" creationId="{76986D9F-30B0-4609-4AF7-11B7A131963B}"/>
+          </ac:spMkLst>
+        </pc:spChg>
+        <pc:spChg chg="add mod">
+          <ac:chgData name="Melina Souza-Leite" userId="c67269ca-6720-4fd5-bd7e-644167bb9eee" providerId="ADAL" clId="{CD7D4478-5AC0-5D7D-BB2F-D4F1FCF10A58}" dt="2025-08-26T11:33:04.394" v="86"/>
+          <ac:spMkLst>
+            <pc:docMk/>
+            <pc:sldMk cId="782841038" sldId="260"/>
+            <ac:spMk id="8" creationId="{5F9446FB-01AA-DD73-0530-41F0EE8A857F}"/>
+          </ac:spMkLst>
+        </pc:spChg>
+        <pc:spChg chg="add mod">
+          <ac:chgData name="Melina Souza-Leite" userId="c67269ca-6720-4fd5-bd7e-644167bb9eee" providerId="ADAL" clId="{CD7D4478-5AC0-5D7D-BB2F-D4F1FCF10A58}" dt="2025-08-26T11:33:14.994" v="87"/>
+          <ac:spMkLst>
+            <pc:docMk/>
+            <pc:sldMk cId="782841038" sldId="260"/>
+            <ac:spMk id="11" creationId="{FD681725-073D-7BF6-7E7C-421F2AABC1AA}"/>
+          </ac:spMkLst>
+        </pc:spChg>
+        <pc:spChg chg="add mod">
+          <ac:chgData name="Melina Souza-Leite" userId="c67269ca-6720-4fd5-bd7e-644167bb9eee" providerId="ADAL" clId="{CD7D4478-5AC0-5D7D-BB2F-D4F1FCF10A58}" dt="2025-08-26T11:33:21.102" v="93" actId="20577"/>
+          <ac:spMkLst>
+            <pc:docMk/>
+            <pc:sldMk cId="782841038" sldId="260"/>
+            <ac:spMk id="12" creationId="{CCEEDEF4-81DA-5B77-9D90-A42A03D548C7}"/>
+          </ac:spMkLst>
+        </pc:spChg>
+        <pc:grpChg chg="add">
+          <ac:chgData name="Melina Souza-Leite" userId="c67269ca-6720-4fd5-bd7e-644167bb9eee" providerId="ADAL" clId="{CD7D4478-5AC0-5D7D-BB2F-D4F1FCF10A58}" dt="2025-08-26T11:35:57.003" v="115" actId="164"/>
+          <ac:grpSpMkLst>
+            <pc:docMk/>
+            <pc:sldMk cId="782841038" sldId="260"/>
+            <ac:grpSpMk id="29" creationId="{12352772-A1F3-1F5A-AA98-4782FEFB678D}"/>
+          </ac:grpSpMkLst>
+        </pc:grpChg>
+        <pc:picChg chg="add mod">
+          <ac:chgData name="Melina Souza-Leite" userId="c67269ca-6720-4fd5-bd7e-644167bb9eee" providerId="ADAL" clId="{CD7D4478-5AC0-5D7D-BB2F-D4F1FCF10A58}" dt="2025-08-26T11:32:41.234" v="84" actId="962"/>
+          <ac:picMkLst>
+            <pc:docMk/>
+            <pc:sldMk cId="782841038" sldId="260"/>
+            <ac:picMk id="3" creationId="{72B38CB9-AC7B-47E8-A37A-00A9D20D8C6A}"/>
+          </ac:picMkLst>
+        </pc:picChg>
+        <pc:cxnChg chg="add mod">
+          <ac:chgData name="Melina Souza-Leite" userId="c67269ca-6720-4fd5-bd7e-644167bb9eee" providerId="ADAL" clId="{CD7D4478-5AC0-5D7D-BB2F-D4F1FCF10A58}" dt="2025-08-26T11:32:54.564" v="85"/>
+          <ac:cxnSpMkLst>
+            <pc:docMk/>
+            <pc:sldMk cId="782841038" sldId="260"/>
+            <ac:cxnSpMk id="4" creationId="{23C1E78A-9AFC-3C71-1A15-E5EA2DC7BDED}"/>
+          </ac:cxnSpMkLst>
+        </pc:cxnChg>
+        <pc:cxnChg chg="add mod">
+          <ac:chgData name="Melina Souza-Leite" userId="c67269ca-6720-4fd5-bd7e-644167bb9eee" providerId="ADAL" clId="{CD7D4478-5AC0-5D7D-BB2F-D4F1FCF10A58}" dt="2025-08-26T11:32:54.564" v="85"/>
+          <ac:cxnSpMkLst>
+            <pc:docMk/>
+            <pc:sldMk cId="782841038" sldId="260"/>
+            <ac:cxnSpMk id="5" creationId="{BBCB7587-0496-C18B-17D6-5667065F5984}"/>
+          </ac:cxnSpMkLst>
+        </pc:cxnChg>
+        <pc:cxnChg chg="add mod">
+          <ac:chgData name="Melina Souza-Leite" userId="c67269ca-6720-4fd5-bd7e-644167bb9eee" providerId="ADAL" clId="{CD7D4478-5AC0-5D7D-BB2F-D4F1FCF10A58}" dt="2025-08-26T11:33:14.994" v="87"/>
+          <ac:cxnSpMkLst>
+            <pc:docMk/>
+            <pc:sldMk cId="782841038" sldId="260"/>
+            <ac:cxnSpMk id="9" creationId="{EAD461DF-FE1C-598E-F23F-AE6805372D4B}"/>
+          </ac:cxnSpMkLst>
+        </pc:cxnChg>
+        <pc:cxnChg chg="add mod">
+          <ac:chgData name="Melina Souza-Leite" userId="c67269ca-6720-4fd5-bd7e-644167bb9eee" providerId="ADAL" clId="{CD7D4478-5AC0-5D7D-BB2F-D4F1FCF10A58}" dt="2025-08-26T11:33:14.994" v="87"/>
+          <ac:cxnSpMkLst>
+            <pc:docMk/>
+            <pc:sldMk cId="782841038" sldId="260"/>
+            <ac:cxnSpMk id="10" creationId="{BA0395F9-E115-5304-96F5-F10D5BF7CC81}"/>
+          </ac:cxnSpMkLst>
+        </pc:cxnChg>
+        <pc:cxnChg chg="add mod">
+          <ac:chgData name="Melina Souza-Leite" userId="c67269ca-6720-4fd5-bd7e-644167bb9eee" providerId="ADAL" clId="{CD7D4478-5AC0-5D7D-BB2F-D4F1FCF10A58}" dt="2025-08-26T11:35:22.513" v="113" actId="1582"/>
+          <ac:cxnSpMkLst>
+            <pc:docMk/>
+            <pc:sldMk cId="782841038" sldId="260"/>
+            <ac:cxnSpMk id="13" creationId="{3C6CE4C0-BCB2-0CBD-0912-CB33F785B885}"/>
+          </ac:cxnSpMkLst>
+        </pc:cxnChg>
+        <pc:cxnChg chg="add mod">
+          <ac:chgData name="Melina Souza-Leite" userId="c67269ca-6720-4fd5-bd7e-644167bb9eee" providerId="ADAL" clId="{CD7D4478-5AC0-5D7D-BB2F-D4F1FCF10A58}" dt="2025-08-26T11:35:22.513" v="113" actId="1582"/>
+          <ac:cxnSpMkLst>
+            <pc:docMk/>
+            <pc:sldMk cId="782841038" sldId="260"/>
+            <ac:cxnSpMk id="14" creationId="{A153A245-97C6-BCA7-302F-E6EDBA1D5100}"/>
+          </ac:cxnSpMkLst>
+        </pc:cxnChg>
+        <pc:cxnChg chg="add mod">
+          <ac:chgData name="Melina Souza-Leite" userId="c67269ca-6720-4fd5-bd7e-644167bb9eee" providerId="ADAL" clId="{CD7D4478-5AC0-5D7D-BB2F-D4F1FCF10A58}" dt="2025-08-26T11:35:22.513" v="113" actId="1582"/>
+          <ac:cxnSpMkLst>
+            <pc:docMk/>
+            <pc:sldMk cId="782841038" sldId="260"/>
+            <ac:cxnSpMk id="15" creationId="{9469D9FF-B37F-E05B-0F82-815798756CC9}"/>
+          </ac:cxnSpMkLst>
+        </pc:cxnChg>
+        <pc:cxnChg chg="add mod">
+          <ac:chgData name="Melina Souza-Leite" userId="c67269ca-6720-4fd5-bd7e-644167bb9eee" providerId="ADAL" clId="{CD7D4478-5AC0-5D7D-BB2F-D4F1FCF10A58}" dt="2025-08-26T11:35:40.193" v="114" actId="14100"/>
+          <ac:cxnSpMkLst>
+            <pc:docMk/>
+            <pc:sldMk cId="782841038" sldId="260"/>
+            <ac:cxnSpMk id="16" creationId="{5DCC4D10-A193-D282-F98A-F4BFA65BAED7}"/>
+          </ac:cxnSpMkLst>
+        </pc:cxnChg>
+        <pc:cxnChg chg="add mod">
+          <ac:chgData name="Melina Souza-Leite" userId="c67269ca-6720-4fd5-bd7e-644167bb9eee" providerId="ADAL" clId="{CD7D4478-5AC0-5D7D-BB2F-D4F1FCF10A58}" dt="2025-08-26T11:35:22.513" v="113" actId="1582"/>
+          <ac:cxnSpMkLst>
+            <pc:docMk/>
+            <pc:sldMk cId="782841038" sldId="260"/>
+            <ac:cxnSpMk id="17" creationId="{4F85BFE9-C792-A537-5B62-52224975738C}"/>
+          </ac:cxnSpMkLst>
+        </pc:cxnChg>
+        <pc:cxnChg chg="add mod">
+          <ac:chgData name="Melina Souza-Leite" userId="c67269ca-6720-4fd5-bd7e-644167bb9eee" providerId="ADAL" clId="{CD7D4478-5AC0-5D7D-BB2F-D4F1FCF10A58}" dt="2025-08-26T11:35:22.513" v="113" actId="1582"/>
+          <ac:cxnSpMkLst>
+            <pc:docMk/>
+            <pc:sldMk cId="782841038" sldId="260"/>
+            <ac:cxnSpMk id="18" creationId="{8431825C-C729-0D40-1908-556D7AA2C0E7}"/>
+          </ac:cxnSpMkLst>
+        </pc:cxnChg>
+        <pc:cxnChg chg="add mod">
+          <ac:chgData name="Melina Souza-Leite" userId="c67269ca-6720-4fd5-bd7e-644167bb9eee" providerId="ADAL" clId="{CD7D4478-5AC0-5D7D-BB2F-D4F1FCF10A58}" dt="2025-08-26T11:35:22.513" v="113" actId="1582"/>
+          <ac:cxnSpMkLst>
+            <pc:docMk/>
+            <pc:sldMk cId="782841038" sldId="260"/>
+            <ac:cxnSpMk id="19" creationId="{89580F2F-2A26-F9E3-7901-F7EFF19868BD}"/>
+          </ac:cxnSpMkLst>
+        </pc:cxnChg>
+        <pc:cxnChg chg="add mod">
+          <ac:chgData name="Melina Souza-Leite" userId="c67269ca-6720-4fd5-bd7e-644167bb9eee" providerId="ADAL" clId="{CD7D4478-5AC0-5D7D-BB2F-D4F1FCF10A58}" dt="2025-08-26T11:35:22.513" v="113" actId="1582"/>
+          <ac:cxnSpMkLst>
+            <pc:docMk/>
+            <pc:sldMk cId="782841038" sldId="260"/>
+            <ac:cxnSpMk id="20" creationId="{4E15BDF5-6DD2-DE4F-2A60-95D7BA4592A5}"/>
+          </ac:cxnSpMkLst>
+        </pc:cxnChg>
+        <pc:cxnChg chg="add mod">
+          <ac:chgData name="Melina Souza-Leite" userId="c67269ca-6720-4fd5-bd7e-644167bb9eee" providerId="ADAL" clId="{CD7D4478-5AC0-5D7D-BB2F-D4F1FCF10A58}" dt="2025-08-26T11:35:22.513" v="113" actId="1582"/>
+          <ac:cxnSpMkLst>
+            <pc:docMk/>
+            <pc:sldMk cId="782841038" sldId="260"/>
+            <ac:cxnSpMk id="21" creationId="{A25C6EE4-5E76-B0CB-0803-37447C274A18}"/>
+          </ac:cxnSpMkLst>
+        </pc:cxnChg>
+        <pc:cxnChg chg="add mod">
+          <ac:chgData name="Melina Souza-Leite" userId="c67269ca-6720-4fd5-bd7e-644167bb9eee" providerId="ADAL" clId="{CD7D4478-5AC0-5D7D-BB2F-D4F1FCF10A58}" dt="2025-08-26T11:35:22.513" v="113" actId="1582"/>
+          <ac:cxnSpMkLst>
+            <pc:docMk/>
+            <pc:sldMk cId="782841038" sldId="260"/>
+            <ac:cxnSpMk id="22" creationId="{11B989E5-FA59-C74A-2C83-37F4251E97CC}"/>
+          </ac:cxnSpMkLst>
+        </pc:cxnChg>
+      </pc:sldChg>
+    </pc:docChg>
+  </pc:docChgLst>
+</pc:chgInfo>
 </file>
 
 <file path=ppt/slideLayouts/slideLayout1.xml><?xml version="1.0" encoding="utf-8"?>
@@ -255,7 +537,7 @@
           <a:p>
             <a:fld id="{A16B1CA8-5F36-A64F-AA54-9661EDCFC7B1}" type="datetimeFigureOut">
               <a:rPr lang="pt-BR" smtClean="0"/>
-              <a:t>25/08/2025</a:t>
+              <a:t>26/08/2025</a:t>
             </a:fld>
             <a:endParaRPr lang="pt-BR"/>
           </a:p>
@@ -453,7 +735,7 @@
           <a:p>
             <a:fld id="{A16B1CA8-5F36-A64F-AA54-9661EDCFC7B1}" type="datetimeFigureOut">
               <a:rPr lang="pt-BR" smtClean="0"/>
-              <a:t>25/08/2025</a:t>
+              <a:t>26/08/2025</a:t>
             </a:fld>
             <a:endParaRPr lang="pt-BR"/>
           </a:p>
@@ -661,7 +943,7 @@
           <a:p>
             <a:fld id="{A16B1CA8-5F36-A64F-AA54-9661EDCFC7B1}" type="datetimeFigureOut">
               <a:rPr lang="pt-BR" smtClean="0"/>
-              <a:t>25/08/2025</a:t>
+              <a:t>26/08/2025</a:t>
             </a:fld>
             <a:endParaRPr lang="pt-BR"/>
           </a:p>
@@ -859,7 +1141,7 @@
           <a:p>
             <a:fld id="{A16B1CA8-5F36-A64F-AA54-9661EDCFC7B1}" type="datetimeFigureOut">
               <a:rPr lang="pt-BR" smtClean="0"/>
-              <a:t>25/08/2025</a:t>
+              <a:t>26/08/2025</a:t>
             </a:fld>
             <a:endParaRPr lang="pt-BR"/>
           </a:p>
@@ -1134,7 +1416,7 @@
           <a:p>
             <a:fld id="{A16B1CA8-5F36-A64F-AA54-9661EDCFC7B1}" type="datetimeFigureOut">
               <a:rPr lang="pt-BR" smtClean="0"/>
-              <a:t>25/08/2025</a:t>
+              <a:t>26/08/2025</a:t>
             </a:fld>
             <a:endParaRPr lang="pt-BR"/>
           </a:p>
@@ -1399,7 +1681,7 @@
           <a:p>
             <a:fld id="{A16B1CA8-5F36-A64F-AA54-9661EDCFC7B1}" type="datetimeFigureOut">
               <a:rPr lang="pt-BR" smtClean="0"/>
-              <a:t>25/08/2025</a:t>
+              <a:t>26/08/2025</a:t>
             </a:fld>
             <a:endParaRPr lang="pt-BR"/>
           </a:p>
@@ -1811,7 +2093,7 @@
           <a:p>
             <a:fld id="{A16B1CA8-5F36-A64F-AA54-9661EDCFC7B1}" type="datetimeFigureOut">
               <a:rPr lang="pt-BR" smtClean="0"/>
-              <a:t>25/08/2025</a:t>
+              <a:t>26/08/2025</a:t>
             </a:fld>
             <a:endParaRPr lang="pt-BR"/>
           </a:p>
@@ -1952,7 +2234,7 @@
           <a:p>
             <a:fld id="{A16B1CA8-5F36-A64F-AA54-9661EDCFC7B1}" type="datetimeFigureOut">
               <a:rPr lang="pt-BR" smtClean="0"/>
-              <a:t>25/08/2025</a:t>
+              <a:t>26/08/2025</a:t>
             </a:fld>
             <a:endParaRPr lang="pt-BR"/>
           </a:p>
@@ -2065,7 +2347,7 @@
           <a:p>
             <a:fld id="{A16B1CA8-5F36-A64F-AA54-9661EDCFC7B1}" type="datetimeFigureOut">
               <a:rPr lang="pt-BR" smtClean="0"/>
-              <a:t>25/08/2025</a:t>
+              <a:t>26/08/2025</a:t>
             </a:fld>
             <a:endParaRPr lang="pt-BR"/>
           </a:p>
@@ -2376,7 +2658,7 @@
           <a:p>
             <a:fld id="{A16B1CA8-5F36-A64F-AA54-9661EDCFC7B1}" type="datetimeFigureOut">
               <a:rPr lang="pt-BR" smtClean="0"/>
-              <a:t>25/08/2025</a:t>
+              <a:t>26/08/2025</a:t>
             </a:fld>
             <a:endParaRPr lang="pt-BR"/>
           </a:p>
@@ -2664,7 +2946,7 @@
           <a:p>
             <a:fld id="{A16B1CA8-5F36-A64F-AA54-9661EDCFC7B1}" type="datetimeFigureOut">
               <a:rPr lang="pt-BR" smtClean="0"/>
-              <a:t>25/08/2025</a:t>
+              <a:t>26/08/2025</a:t>
             </a:fld>
             <a:endParaRPr lang="pt-BR"/>
           </a:p>
@@ -2905,7 +3187,7 @@
           <a:p>
             <a:fld id="{A16B1CA8-5F36-A64F-AA54-9661EDCFC7B1}" type="datetimeFigureOut">
               <a:rPr lang="pt-BR" smtClean="0"/>
-              <a:t>25/08/2025</a:t>
+              <a:t>26/08/2025</a:t>
             </a:fld>
             <a:endParaRPr lang="pt-BR"/>
           </a:p>
@@ -4010,7 +4292,7 @@
         <p:spPr>
           <a:xfrm>
             <a:off x="3888602" y="1524335"/>
-            <a:ext cx="4129657" cy="338554"/>
+            <a:ext cx="5028941" cy="338554"/>
           </a:xfrm>
           <a:prstGeom prst="rect">
             <a:avLst/>
@@ -4049,22 +4331,47 @@
                 <a:latin typeface="Arial" panose="020B0604020202020204" pitchFamily="34" charset="0"/>
                 <a:cs typeface="Arial" panose="020B0604020202020204" pitchFamily="34" charset="0"/>
               </a:rPr>
-              <a:t> (</a:t>
+              <a:t> – </a:t>
             </a:r>
             <a:r>
               <a:rPr lang="pt-BR" sz="1600" dirty="0" err="1">
                 <a:latin typeface="Arial" panose="020B0604020202020204" pitchFamily="34" charset="0"/>
                 <a:cs typeface="Arial" panose="020B0604020202020204" pitchFamily="34" charset="0"/>
               </a:rPr>
-              <a:t>heteroscedasticity</a:t>
+              <a:t>increases</a:t>
             </a:r>
             <a:r>
               <a:rPr lang="pt-BR" sz="1600" dirty="0">
                 <a:latin typeface="Arial" panose="020B0604020202020204" pitchFamily="34" charset="0"/>
                 <a:cs typeface="Arial" panose="020B0604020202020204" pitchFamily="34" charset="0"/>
               </a:rPr>
-              <a:t>)</a:t>
-            </a:r>
+              <a:t> </a:t>
+            </a:r>
+            <a:r>
+              <a:rPr lang="pt-BR" sz="1600" dirty="0" err="1">
+                <a:latin typeface="Arial" panose="020B0604020202020204" pitchFamily="34" charset="0"/>
+                <a:cs typeface="Arial" panose="020B0604020202020204" pitchFamily="34" charset="0"/>
+              </a:rPr>
+              <a:t>with</a:t>
+            </a:r>
+            <a:r>
+              <a:rPr lang="pt-BR" sz="1600" dirty="0">
+                <a:latin typeface="Arial" panose="020B0604020202020204" pitchFamily="34" charset="0"/>
+                <a:cs typeface="Arial" panose="020B0604020202020204" pitchFamily="34" charset="0"/>
+              </a:rPr>
+              <a:t> </a:t>
+            </a:r>
+            <a:r>
+              <a:rPr lang="pt-BR" sz="1600" dirty="0" err="1">
+                <a:latin typeface="Arial" panose="020B0604020202020204" pitchFamily="34" charset="0"/>
+                <a:cs typeface="Arial" panose="020B0604020202020204" pitchFamily="34" charset="0"/>
+              </a:rPr>
+              <a:t>Environment</a:t>
+            </a:r>
+            <a:endParaRPr lang="pt-BR" sz="1600" dirty="0">
+              <a:latin typeface="Arial" panose="020B0604020202020204" pitchFamily="34" charset="0"/>
+              <a:cs typeface="Arial" panose="020B0604020202020204" pitchFamily="34" charset="0"/>
+            </a:endParaRPr>
           </a:p>
         </p:txBody>
       </p:sp>
@@ -4098,6 +4405,786 @@
           <a:chExt cx="0" cy="0"/>
         </a:xfrm>
       </p:grpSpPr>
+      <p:grpSp>
+        <p:nvGrpSpPr>
+          <p:cNvPr id="29" name="Agrupar 28">
+            <a:extLst>
+              <a:ext uri="{FF2B5EF4-FFF2-40B4-BE49-F238E27FC236}">
+                <a16:creationId xmlns:a16="http://schemas.microsoft.com/office/drawing/2014/main" id="{12352772-A1F3-1F5A-AA98-4782FEFB678D}"/>
+              </a:ext>
+            </a:extLst>
+          </p:cNvPr>
+          <p:cNvGrpSpPr/>
+          <p:nvPr/>
+        </p:nvGrpSpPr>
+        <p:grpSpPr>
+          <a:xfrm>
+            <a:off x="2254250" y="311150"/>
+            <a:ext cx="7683500" cy="6235700"/>
+            <a:chOff x="2254250" y="311150"/>
+            <a:chExt cx="7683500" cy="6235700"/>
+          </a:xfrm>
+        </p:grpSpPr>
+        <p:pic>
+          <p:nvPicPr>
+            <p:cNvPr id="3" name="Imagem 2" descr="Gráfico, Gráfico de dispersão&#10;&#10;O conteúdo gerado por IA pode estar incorreto.">
+              <a:extLst>
+                <a:ext uri="{FF2B5EF4-FFF2-40B4-BE49-F238E27FC236}">
+                  <a16:creationId xmlns:a16="http://schemas.microsoft.com/office/drawing/2014/main" id="{72B38CB9-AC7B-47E8-A37A-00A9D20D8C6A}"/>
+                </a:ext>
+              </a:extLst>
+            </p:cNvPr>
+            <p:cNvPicPr>
+              <a:picLocks noChangeAspect="1"/>
+            </p:cNvPicPr>
+            <p:nvPr/>
+          </p:nvPicPr>
+          <p:blipFill>
+            <a:blip r:embed="rId2"/>
+            <a:stretch>
+              <a:fillRect/>
+            </a:stretch>
+          </p:blipFill>
+          <p:spPr>
+            <a:xfrm>
+              <a:off x="2254250" y="311150"/>
+              <a:ext cx="7683500" cy="6235700"/>
+            </a:xfrm>
+            <a:prstGeom prst="rect">
+              <a:avLst/>
+            </a:prstGeom>
+          </p:spPr>
+        </p:pic>
+        <p:sp>
+          <p:nvSpPr>
+            <p:cNvPr id="8" name="Retângulo 7">
+              <a:extLst>
+                <a:ext uri="{FF2B5EF4-FFF2-40B4-BE49-F238E27FC236}">
+                  <a16:creationId xmlns:a16="http://schemas.microsoft.com/office/drawing/2014/main" id="{5F9446FB-01AA-DD73-0530-41F0EE8A857F}"/>
+                </a:ext>
+              </a:extLst>
+            </p:cNvPr>
+            <p:cNvSpPr/>
+            <p:nvPr/>
+          </p:nvSpPr>
+          <p:spPr>
+            <a:xfrm>
+              <a:off x="2973788" y="477960"/>
+              <a:ext cx="6718852" cy="5327374"/>
+            </a:xfrm>
+            <a:prstGeom prst="rect">
+              <a:avLst/>
+            </a:prstGeom>
+            <a:solidFill>
+              <a:srgbClr val="FFFFFF">
+                <a:alpha val="57255"/>
+              </a:srgbClr>
+            </a:solidFill>
+            <a:ln>
+              <a:noFill/>
+            </a:ln>
+          </p:spPr>
+          <p:style>
+            <a:lnRef idx="2">
+              <a:schemeClr val="accent1">
+                <a:shade val="15000"/>
+              </a:schemeClr>
+            </a:lnRef>
+            <a:fillRef idx="1">
+              <a:schemeClr val="accent1"/>
+            </a:fillRef>
+            <a:effectRef idx="0">
+              <a:schemeClr val="accent1"/>
+            </a:effectRef>
+            <a:fontRef idx="minor">
+              <a:schemeClr val="lt1"/>
+            </a:fontRef>
+          </p:style>
+          <p:txBody>
+            <a:bodyPr rtlCol="0" anchor="ctr"/>
+            <a:lstStyle/>
+            <a:p>
+              <a:pPr algn="ctr"/>
+              <a:endParaRPr lang="pt-BR" dirty="0"/>
+            </a:p>
+          </p:txBody>
+        </p:sp>
+        <p:cxnSp>
+          <p:nvCxnSpPr>
+            <p:cNvPr id="9" name="Conector de Seta Reta 8">
+              <a:extLst>
+                <a:ext uri="{FF2B5EF4-FFF2-40B4-BE49-F238E27FC236}">
+                  <a16:creationId xmlns:a16="http://schemas.microsoft.com/office/drawing/2014/main" id="{EAD461DF-FE1C-598E-F23F-AE6805372D4B}"/>
+                </a:ext>
+              </a:extLst>
+            </p:cNvPr>
+            <p:cNvCxnSpPr>
+              <a:cxnSpLocks/>
+            </p:cNvCxnSpPr>
+            <p:nvPr/>
+          </p:nvCxnSpPr>
+          <p:spPr>
+            <a:xfrm>
+              <a:off x="3848880" y="946205"/>
+              <a:ext cx="0" cy="419551"/>
+            </a:xfrm>
+            <a:prstGeom prst="straightConnector1">
+              <a:avLst/>
+            </a:prstGeom>
+            <a:ln w="57150">
+              <a:solidFill>
+                <a:srgbClr val="00B0F0"/>
+              </a:solidFill>
+              <a:headEnd type="triangle"/>
+              <a:tailEnd type="triangle"/>
+            </a:ln>
+          </p:spPr>
+          <p:style>
+            <a:lnRef idx="2">
+              <a:schemeClr val="accent1"/>
+            </a:lnRef>
+            <a:fillRef idx="0">
+              <a:schemeClr val="accent1"/>
+            </a:fillRef>
+            <a:effectRef idx="1">
+              <a:schemeClr val="accent1"/>
+            </a:effectRef>
+            <a:fontRef idx="minor">
+              <a:schemeClr val="tx1"/>
+            </a:fontRef>
+          </p:style>
+        </p:cxnSp>
+        <p:cxnSp>
+          <p:nvCxnSpPr>
+            <p:cNvPr id="10" name="Conector de Seta Reta 9">
+              <a:extLst>
+                <a:ext uri="{FF2B5EF4-FFF2-40B4-BE49-F238E27FC236}">
+                  <a16:creationId xmlns:a16="http://schemas.microsoft.com/office/drawing/2014/main" id="{BA0395F9-E115-5304-96F5-F10D5BF7CC81}"/>
+                </a:ext>
+              </a:extLst>
+            </p:cNvPr>
+            <p:cNvCxnSpPr>
+              <a:cxnSpLocks/>
+            </p:cNvCxnSpPr>
+            <p:nvPr/>
+          </p:nvCxnSpPr>
+          <p:spPr>
+            <a:xfrm>
+              <a:off x="3848880" y="1482835"/>
+              <a:ext cx="0" cy="497040"/>
+            </a:xfrm>
+            <a:prstGeom prst="straightConnector1">
+              <a:avLst/>
+            </a:prstGeom>
+            <a:ln w="57150">
+              <a:solidFill>
+                <a:srgbClr val="FF0000"/>
+              </a:solidFill>
+              <a:headEnd type="triangle"/>
+              <a:tailEnd type="triangle"/>
+            </a:ln>
+          </p:spPr>
+          <p:style>
+            <a:lnRef idx="2">
+              <a:schemeClr val="accent1"/>
+            </a:lnRef>
+            <a:fillRef idx="0">
+              <a:schemeClr val="accent1"/>
+            </a:fillRef>
+            <a:effectRef idx="1">
+              <a:schemeClr val="accent1"/>
+            </a:effectRef>
+            <a:fontRef idx="minor">
+              <a:schemeClr val="tx1"/>
+            </a:fontRef>
+          </p:style>
+        </p:cxnSp>
+        <p:sp>
+          <p:nvSpPr>
+            <p:cNvPr id="11" name="CaixaDeTexto 10">
+              <a:extLst>
+                <a:ext uri="{FF2B5EF4-FFF2-40B4-BE49-F238E27FC236}">
+                  <a16:creationId xmlns:a16="http://schemas.microsoft.com/office/drawing/2014/main" id="{FD681725-073D-7BF6-7E7C-421F2AABC1AA}"/>
+                </a:ext>
+              </a:extLst>
+            </p:cNvPr>
+            <p:cNvSpPr txBox="1"/>
+            <p:nvPr/>
+          </p:nvSpPr>
+          <p:spPr>
+            <a:xfrm>
+              <a:off x="3888602" y="1027202"/>
+              <a:ext cx="1744388" cy="338554"/>
+            </a:xfrm>
+            <a:prstGeom prst="rect">
+              <a:avLst/>
+            </a:prstGeom>
+            <a:noFill/>
+          </p:spPr>
+          <p:txBody>
+            <a:bodyPr wrap="none" rtlCol="0">
+              <a:spAutoFit/>
+            </a:bodyPr>
+            <a:lstStyle/>
+            <a:p>
+              <a:r>
+                <a:rPr lang="pt-BR" sz="1600" dirty="0">
+                  <a:latin typeface="Arial" panose="020B0604020202020204" pitchFamily="34" charset="0"/>
+                  <a:cs typeface="Arial" panose="020B0604020202020204" pitchFamily="34" charset="0"/>
+                </a:rPr>
+                <a:t>Poisson </a:t>
+              </a:r>
+              <a:r>
+                <a:rPr lang="pt-BR" sz="1600" dirty="0" err="1">
+                  <a:latin typeface="Arial" panose="020B0604020202020204" pitchFamily="34" charset="0"/>
+                  <a:cs typeface="Arial" panose="020B0604020202020204" pitchFamily="34" charset="0"/>
+                </a:rPr>
+                <a:t>variance</a:t>
+              </a:r>
+              <a:endParaRPr lang="pt-BR" sz="1600" dirty="0">
+                <a:latin typeface="Arial" panose="020B0604020202020204" pitchFamily="34" charset="0"/>
+                <a:cs typeface="Arial" panose="020B0604020202020204" pitchFamily="34" charset="0"/>
+              </a:endParaRPr>
+            </a:p>
+          </p:txBody>
+        </p:sp>
+        <p:sp>
+          <p:nvSpPr>
+            <p:cNvPr id="12" name="CaixaDeTexto 11">
+              <a:extLst>
+                <a:ext uri="{FF2B5EF4-FFF2-40B4-BE49-F238E27FC236}">
+                  <a16:creationId xmlns:a16="http://schemas.microsoft.com/office/drawing/2014/main" id="{CCEEDEF4-81DA-5B77-9D90-A42A03D548C7}"/>
+                </a:ext>
+              </a:extLst>
+            </p:cNvPr>
+            <p:cNvSpPr txBox="1"/>
+            <p:nvPr/>
+          </p:nvSpPr>
+          <p:spPr>
+            <a:xfrm>
+              <a:off x="3888602" y="1524335"/>
+              <a:ext cx="2292615" cy="338554"/>
+            </a:xfrm>
+            <a:prstGeom prst="rect">
+              <a:avLst/>
+            </a:prstGeom>
+            <a:noFill/>
+          </p:spPr>
+          <p:txBody>
+            <a:bodyPr wrap="none" rtlCol="0">
+              <a:spAutoFit/>
+            </a:bodyPr>
+            <a:lstStyle/>
+            <a:p>
+              <a:r>
+                <a:rPr lang="pt-BR" sz="1600" dirty="0" err="1">
+                  <a:latin typeface="Arial" panose="020B0604020202020204" pitchFamily="34" charset="0"/>
+                  <a:cs typeface="Arial" panose="020B0604020202020204" pitchFamily="34" charset="0"/>
+                </a:rPr>
+                <a:t>Extra-Poisson</a:t>
+              </a:r>
+              <a:r>
+                <a:rPr lang="pt-BR" sz="1600" dirty="0">
+                  <a:latin typeface="Arial" panose="020B0604020202020204" pitchFamily="34" charset="0"/>
+                  <a:cs typeface="Arial" panose="020B0604020202020204" pitchFamily="34" charset="0"/>
+                </a:rPr>
+                <a:t> </a:t>
+              </a:r>
+              <a:r>
+                <a:rPr lang="pt-BR" sz="1600" dirty="0" err="1">
+                  <a:latin typeface="Arial" panose="020B0604020202020204" pitchFamily="34" charset="0"/>
+                  <a:cs typeface="Arial" panose="020B0604020202020204" pitchFamily="34" charset="0"/>
+                </a:rPr>
+                <a:t>variance</a:t>
+              </a:r>
+              <a:endParaRPr lang="pt-BR" sz="1600" dirty="0">
+                <a:latin typeface="Arial" panose="020B0604020202020204" pitchFamily="34" charset="0"/>
+                <a:cs typeface="Arial" panose="020B0604020202020204" pitchFamily="34" charset="0"/>
+              </a:endParaRPr>
+            </a:p>
+          </p:txBody>
+        </p:sp>
+        <p:cxnSp>
+          <p:nvCxnSpPr>
+            <p:cNvPr id="13" name="Conector de Seta Reta 12">
+              <a:extLst>
+                <a:ext uri="{FF2B5EF4-FFF2-40B4-BE49-F238E27FC236}">
+                  <a16:creationId xmlns:a16="http://schemas.microsoft.com/office/drawing/2014/main" id="{3C6CE4C0-BCB2-0CBD-0912-CB33F785B885}"/>
+                </a:ext>
+              </a:extLst>
+            </p:cNvPr>
+            <p:cNvCxnSpPr>
+              <a:cxnSpLocks/>
+            </p:cNvCxnSpPr>
+            <p:nvPr/>
+          </p:nvCxnSpPr>
+          <p:spPr>
+            <a:xfrm>
+              <a:off x="3513600" y="5374200"/>
+              <a:ext cx="0" cy="295200"/>
+            </a:xfrm>
+            <a:prstGeom prst="straightConnector1">
+              <a:avLst/>
+            </a:prstGeom>
+            <a:ln w="57150">
+              <a:solidFill>
+                <a:srgbClr val="00B0F0"/>
+              </a:solidFill>
+              <a:headEnd type="triangle"/>
+              <a:tailEnd type="triangle"/>
+            </a:ln>
+          </p:spPr>
+          <p:style>
+            <a:lnRef idx="2">
+              <a:schemeClr val="accent1"/>
+            </a:lnRef>
+            <a:fillRef idx="0">
+              <a:schemeClr val="accent1"/>
+            </a:fillRef>
+            <a:effectRef idx="1">
+              <a:schemeClr val="accent1"/>
+            </a:effectRef>
+            <a:fontRef idx="minor">
+              <a:schemeClr val="tx1"/>
+            </a:fontRef>
+          </p:style>
+        </p:cxnSp>
+        <p:cxnSp>
+          <p:nvCxnSpPr>
+            <p:cNvPr id="14" name="Conector de Seta Reta 13">
+              <a:extLst>
+                <a:ext uri="{FF2B5EF4-FFF2-40B4-BE49-F238E27FC236}">
+                  <a16:creationId xmlns:a16="http://schemas.microsoft.com/office/drawing/2014/main" id="{A153A245-97C6-BCA7-302F-E6EDBA1D5100}"/>
+                </a:ext>
+              </a:extLst>
+            </p:cNvPr>
+            <p:cNvCxnSpPr>
+              <a:cxnSpLocks/>
+            </p:cNvCxnSpPr>
+            <p:nvPr/>
+          </p:nvCxnSpPr>
+          <p:spPr>
+            <a:xfrm>
+              <a:off x="4753200" y="5107800"/>
+              <a:ext cx="0" cy="561600"/>
+            </a:xfrm>
+            <a:prstGeom prst="straightConnector1">
+              <a:avLst/>
+            </a:prstGeom>
+            <a:ln w="57150">
+              <a:solidFill>
+                <a:srgbClr val="00B0F0"/>
+              </a:solidFill>
+              <a:headEnd type="triangle"/>
+              <a:tailEnd type="triangle"/>
+            </a:ln>
+          </p:spPr>
+          <p:style>
+            <a:lnRef idx="2">
+              <a:schemeClr val="accent1"/>
+            </a:lnRef>
+            <a:fillRef idx="0">
+              <a:schemeClr val="accent1"/>
+            </a:fillRef>
+            <a:effectRef idx="1">
+              <a:schemeClr val="accent1"/>
+            </a:effectRef>
+            <a:fontRef idx="minor">
+              <a:schemeClr val="tx1"/>
+            </a:fontRef>
+          </p:style>
+        </p:cxnSp>
+        <p:cxnSp>
+          <p:nvCxnSpPr>
+            <p:cNvPr id="15" name="Conector de Seta Reta 14">
+              <a:extLst>
+                <a:ext uri="{FF2B5EF4-FFF2-40B4-BE49-F238E27FC236}">
+                  <a16:creationId xmlns:a16="http://schemas.microsoft.com/office/drawing/2014/main" id="{9469D9FF-B37F-E05B-0F82-815798756CC9}"/>
+                </a:ext>
+              </a:extLst>
+            </p:cNvPr>
+            <p:cNvCxnSpPr>
+              <a:cxnSpLocks/>
+            </p:cNvCxnSpPr>
+            <p:nvPr/>
+          </p:nvCxnSpPr>
+          <p:spPr>
+            <a:xfrm>
+              <a:off x="6373200" y="4891800"/>
+              <a:ext cx="0" cy="777600"/>
+            </a:xfrm>
+            <a:prstGeom prst="straightConnector1">
+              <a:avLst/>
+            </a:prstGeom>
+            <a:ln w="57150">
+              <a:solidFill>
+                <a:srgbClr val="00B0F0"/>
+              </a:solidFill>
+              <a:headEnd type="triangle"/>
+              <a:tailEnd type="triangle"/>
+            </a:ln>
+          </p:spPr>
+          <p:style>
+            <a:lnRef idx="2">
+              <a:schemeClr val="accent1"/>
+            </a:lnRef>
+            <a:fillRef idx="0">
+              <a:schemeClr val="accent1"/>
+            </a:fillRef>
+            <a:effectRef idx="1">
+              <a:schemeClr val="accent1"/>
+            </a:effectRef>
+            <a:fontRef idx="minor">
+              <a:schemeClr val="tx1"/>
+            </a:fontRef>
+          </p:style>
+        </p:cxnSp>
+        <p:cxnSp>
+          <p:nvCxnSpPr>
+            <p:cNvPr id="16" name="Conector de Seta Reta 15">
+              <a:extLst>
+                <a:ext uri="{FF2B5EF4-FFF2-40B4-BE49-F238E27FC236}">
+                  <a16:creationId xmlns:a16="http://schemas.microsoft.com/office/drawing/2014/main" id="{5DCC4D10-A193-D282-F98A-F4BFA65BAED7}"/>
+                </a:ext>
+              </a:extLst>
+            </p:cNvPr>
+            <p:cNvCxnSpPr>
+              <a:cxnSpLocks/>
+            </p:cNvCxnSpPr>
+            <p:nvPr/>
+          </p:nvCxnSpPr>
+          <p:spPr>
+            <a:xfrm>
+              <a:off x="7964400" y="4517400"/>
+              <a:ext cx="0" cy="1152000"/>
+            </a:xfrm>
+            <a:prstGeom prst="straightConnector1">
+              <a:avLst/>
+            </a:prstGeom>
+            <a:ln w="57150">
+              <a:solidFill>
+                <a:srgbClr val="00B0F0"/>
+              </a:solidFill>
+              <a:headEnd type="triangle"/>
+              <a:tailEnd type="triangle"/>
+            </a:ln>
+          </p:spPr>
+          <p:style>
+            <a:lnRef idx="2">
+              <a:schemeClr val="accent1"/>
+            </a:lnRef>
+            <a:fillRef idx="0">
+              <a:schemeClr val="accent1"/>
+            </a:fillRef>
+            <a:effectRef idx="1">
+              <a:schemeClr val="accent1"/>
+            </a:effectRef>
+            <a:fontRef idx="minor">
+              <a:schemeClr val="tx1"/>
+            </a:fontRef>
+          </p:style>
+        </p:cxnSp>
+        <p:cxnSp>
+          <p:nvCxnSpPr>
+            <p:cNvPr id="17" name="Conector de Seta Reta 16">
+              <a:extLst>
+                <a:ext uri="{FF2B5EF4-FFF2-40B4-BE49-F238E27FC236}">
+                  <a16:creationId xmlns:a16="http://schemas.microsoft.com/office/drawing/2014/main" id="{4F85BFE9-C792-A537-5B62-52224975738C}"/>
+                </a:ext>
+              </a:extLst>
+            </p:cNvPr>
+            <p:cNvCxnSpPr>
+              <a:cxnSpLocks/>
+            </p:cNvCxnSpPr>
+            <p:nvPr/>
+          </p:nvCxnSpPr>
+          <p:spPr>
+            <a:xfrm>
+              <a:off x="9260400" y="3833400"/>
+              <a:ext cx="0" cy="1670400"/>
+            </a:xfrm>
+            <a:prstGeom prst="straightConnector1">
+              <a:avLst/>
+            </a:prstGeom>
+            <a:ln w="57150">
+              <a:solidFill>
+                <a:srgbClr val="00B0F0"/>
+              </a:solidFill>
+              <a:headEnd type="triangle"/>
+              <a:tailEnd type="triangle"/>
+            </a:ln>
+          </p:spPr>
+          <p:style>
+            <a:lnRef idx="2">
+              <a:schemeClr val="accent1"/>
+            </a:lnRef>
+            <a:fillRef idx="0">
+              <a:schemeClr val="accent1"/>
+            </a:fillRef>
+            <a:effectRef idx="1">
+              <a:schemeClr val="accent1"/>
+            </a:effectRef>
+            <a:fontRef idx="minor">
+              <a:schemeClr val="tx1"/>
+            </a:fontRef>
+          </p:style>
+        </p:cxnSp>
+        <p:cxnSp>
+          <p:nvCxnSpPr>
+            <p:cNvPr id="18" name="Conector de Seta Reta 17">
+              <a:extLst>
+                <a:ext uri="{FF2B5EF4-FFF2-40B4-BE49-F238E27FC236}">
+                  <a16:creationId xmlns:a16="http://schemas.microsoft.com/office/drawing/2014/main" id="{8431825C-C729-0D40-1908-556D7AA2C0E7}"/>
+                </a:ext>
+              </a:extLst>
+            </p:cNvPr>
+            <p:cNvCxnSpPr>
+              <a:cxnSpLocks/>
+            </p:cNvCxnSpPr>
+            <p:nvPr/>
+          </p:nvCxnSpPr>
+          <p:spPr>
+            <a:xfrm>
+              <a:off x="9520800" y="2590800"/>
+              <a:ext cx="0" cy="3078600"/>
+            </a:xfrm>
+            <a:prstGeom prst="straightConnector1">
+              <a:avLst/>
+            </a:prstGeom>
+            <a:ln w="57150">
+              <a:solidFill>
+                <a:srgbClr val="FF0000"/>
+              </a:solidFill>
+              <a:headEnd type="triangle"/>
+              <a:tailEnd type="triangle"/>
+            </a:ln>
+          </p:spPr>
+          <p:style>
+            <a:lnRef idx="2">
+              <a:schemeClr val="accent1"/>
+            </a:lnRef>
+            <a:fillRef idx="0">
+              <a:schemeClr val="accent1"/>
+            </a:fillRef>
+            <a:effectRef idx="1">
+              <a:schemeClr val="accent1"/>
+            </a:effectRef>
+            <a:fontRef idx="minor">
+              <a:schemeClr val="tx1"/>
+            </a:fontRef>
+          </p:style>
+        </p:cxnSp>
+        <p:cxnSp>
+          <p:nvCxnSpPr>
+            <p:cNvPr id="19" name="Conector de Seta Reta 18">
+              <a:extLst>
+                <a:ext uri="{FF2B5EF4-FFF2-40B4-BE49-F238E27FC236}">
+                  <a16:creationId xmlns:a16="http://schemas.microsoft.com/office/drawing/2014/main" id="{89580F2F-2A26-F9E3-7901-F7EFF19868BD}"/>
+                </a:ext>
+              </a:extLst>
+            </p:cNvPr>
+            <p:cNvCxnSpPr>
+              <a:cxnSpLocks/>
+            </p:cNvCxnSpPr>
+            <p:nvPr/>
+          </p:nvCxnSpPr>
+          <p:spPr>
+            <a:xfrm>
+              <a:off x="8168400" y="3647440"/>
+              <a:ext cx="0" cy="2033360"/>
+            </a:xfrm>
+            <a:prstGeom prst="straightConnector1">
+              <a:avLst/>
+            </a:prstGeom>
+            <a:ln w="57150">
+              <a:solidFill>
+                <a:srgbClr val="FF0000"/>
+              </a:solidFill>
+              <a:headEnd type="triangle"/>
+              <a:tailEnd type="triangle"/>
+            </a:ln>
+          </p:spPr>
+          <p:style>
+            <a:lnRef idx="2">
+              <a:schemeClr val="accent1"/>
+            </a:lnRef>
+            <a:fillRef idx="0">
+              <a:schemeClr val="accent1"/>
+            </a:fillRef>
+            <a:effectRef idx="1">
+              <a:schemeClr val="accent1"/>
+            </a:effectRef>
+            <a:fontRef idx="minor">
+              <a:schemeClr val="tx1"/>
+            </a:fontRef>
+          </p:style>
+        </p:cxnSp>
+        <p:cxnSp>
+          <p:nvCxnSpPr>
+            <p:cNvPr id="20" name="Conector de Seta Reta 19">
+              <a:extLst>
+                <a:ext uri="{FF2B5EF4-FFF2-40B4-BE49-F238E27FC236}">
+                  <a16:creationId xmlns:a16="http://schemas.microsoft.com/office/drawing/2014/main" id="{4E15BDF5-6DD2-DE4F-2A60-95D7BA4592A5}"/>
+                </a:ext>
+              </a:extLst>
+            </p:cNvPr>
+            <p:cNvCxnSpPr>
+              <a:cxnSpLocks/>
+            </p:cNvCxnSpPr>
+            <p:nvPr/>
+          </p:nvCxnSpPr>
+          <p:spPr>
+            <a:xfrm>
+              <a:off x="6604800" y="4216400"/>
+              <a:ext cx="0" cy="1453000"/>
+            </a:xfrm>
+            <a:prstGeom prst="straightConnector1">
+              <a:avLst/>
+            </a:prstGeom>
+            <a:ln w="57150">
+              <a:solidFill>
+                <a:srgbClr val="FF0000"/>
+              </a:solidFill>
+              <a:headEnd type="triangle"/>
+              <a:tailEnd type="triangle"/>
+            </a:ln>
+          </p:spPr>
+          <p:style>
+            <a:lnRef idx="2">
+              <a:schemeClr val="accent1"/>
+            </a:lnRef>
+            <a:fillRef idx="0">
+              <a:schemeClr val="accent1"/>
+            </a:fillRef>
+            <a:effectRef idx="1">
+              <a:schemeClr val="accent1"/>
+            </a:effectRef>
+            <a:fontRef idx="minor">
+              <a:schemeClr val="tx1"/>
+            </a:fontRef>
+          </p:style>
+        </p:cxnSp>
+        <p:cxnSp>
+          <p:nvCxnSpPr>
+            <p:cNvPr id="21" name="Conector de Seta Reta 20">
+              <a:extLst>
+                <a:ext uri="{FF2B5EF4-FFF2-40B4-BE49-F238E27FC236}">
+                  <a16:creationId xmlns:a16="http://schemas.microsoft.com/office/drawing/2014/main" id="{A25C6EE4-5E76-B0CB-0803-37447C274A18}"/>
+                </a:ext>
+              </a:extLst>
+            </p:cNvPr>
+            <p:cNvCxnSpPr>
+              <a:cxnSpLocks/>
+            </p:cNvCxnSpPr>
+            <p:nvPr/>
+          </p:nvCxnSpPr>
+          <p:spPr>
+            <a:xfrm>
+              <a:off x="4941600" y="4815840"/>
+              <a:ext cx="0" cy="853560"/>
+            </a:xfrm>
+            <a:prstGeom prst="straightConnector1">
+              <a:avLst/>
+            </a:prstGeom>
+            <a:ln w="57150">
+              <a:solidFill>
+                <a:srgbClr val="FF0000"/>
+              </a:solidFill>
+              <a:headEnd type="triangle"/>
+              <a:tailEnd type="triangle"/>
+            </a:ln>
+          </p:spPr>
+          <p:style>
+            <a:lnRef idx="2">
+              <a:schemeClr val="accent1"/>
+            </a:lnRef>
+            <a:fillRef idx="0">
+              <a:schemeClr val="accent1"/>
+            </a:fillRef>
+            <a:effectRef idx="1">
+              <a:schemeClr val="accent1"/>
+            </a:effectRef>
+            <a:fontRef idx="minor">
+              <a:schemeClr val="tx1"/>
+            </a:fontRef>
+          </p:style>
+        </p:cxnSp>
+        <p:cxnSp>
+          <p:nvCxnSpPr>
+            <p:cNvPr id="22" name="Conector de Seta Reta 21">
+              <a:extLst>
+                <a:ext uri="{FF2B5EF4-FFF2-40B4-BE49-F238E27FC236}">
+                  <a16:creationId xmlns:a16="http://schemas.microsoft.com/office/drawing/2014/main" id="{11B989E5-FA59-C74A-2C83-37F4251E97CC}"/>
+                </a:ext>
+              </a:extLst>
+            </p:cNvPr>
+            <p:cNvCxnSpPr>
+              <a:cxnSpLocks/>
+            </p:cNvCxnSpPr>
+            <p:nvPr/>
+          </p:nvCxnSpPr>
+          <p:spPr>
+            <a:xfrm>
+              <a:off x="3673200" y="5201920"/>
+              <a:ext cx="0" cy="467480"/>
+            </a:xfrm>
+            <a:prstGeom prst="straightConnector1">
+              <a:avLst/>
+            </a:prstGeom>
+            <a:ln w="57150">
+              <a:solidFill>
+                <a:srgbClr val="FF0000"/>
+              </a:solidFill>
+              <a:headEnd type="triangle"/>
+              <a:tailEnd type="triangle"/>
+            </a:ln>
+          </p:spPr>
+          <p:style>
+            <a:lnRef idx="2">
+              <a:schemeClr val="accent1"/>
+            </a:lnRef>
+            <a:fillRef idx="0">
+              <a:schemeClr val="accent1"/>
+            </a:fillRef>
+            <a:effectRef idx="1">
+              <a:schemeClr val="accent1"/>
+            </a:effectRef>
+            <a:fontRef idx="minor">
+              <a:schemeClr val="tx1"/>
+            </a:fontRef>
+          </p:style>
+        </p:cxnSp>
+      </p:grpSp>
+    </p:spTree>
+    <p:extLst>
+      <p:ext uri="{BB962C8B-B14F-4D97-AF65-F5344CB8AC3E}">
+        <p14:creationId xmlns:p14="http://schemas.microsoft.com/office/powerpoint/2010/main" val="782841038"/>
+      </p:ext>
+    </p:extLst>
+  </p:cSld>
+  <p:clrMapOvr>
+    <a:masterClrMapping/>
+  </p:clrMapOvr>
+</p:sld>
+</file>
+
+<file path=ppt/slides/slide3.xml><?xml version="1.0" encoding="utf-8"?>
+<p:sld xmlns:a="http://schemas.openxmlformats.org/drawingml/2006/main" xmlns:r="http://schemas.openxmlformats.org/officeDocument/2006/relationships" xmlns:p="http://schemas.openxmlformats.org/presentationml/2006/main">
+  <p:cSld>
+    <p:spTree>
+      <p:nvGrpSpPr>
+        <p:cNvPr id="1" name=""/>
+        <p:cNvGrpSpPr/>
+        <p:nvPr/>
+      </p:nvGrpSpPr>
+      <p:grpSpPr>
+        <a:xfrm>
+          <a:off x="0" y="0"/>
+          <a:ext cx="0" cy="0"/>
+          <a:chOff x="0" y="0"/>
+          <a:chExt cx="0" cy="0"/>
+        </a:xfrm>
+      </p:grpSpPr>
       <p:cxnSp>
         <p:nvCxnSpPr>
           <p:cNvPr id="2" name="Conector de Seta Reta 1">
@@ -4552,6 +5639,128 @@
     <p:extLst>
       <p:ext uri="{BB962C8B-B14F-4D97-AF65-F5344CB8AC3E}">
         <p14:creationId xmlns:p14="http://schemas.microsoft.com/office/powerpoint/2010/main" val="2943187321"/>
+      </p:ext>
+    </p:extLst>
+  </p:cSld>
+  <p:clrMapOvr>
+    <a:masterClrMapping/>
+  </p:clrMapOvr>
+</p:sld>
+</file>
+
+<file path=ppt/slides/slide4.xml><?xml version="1.0" encoding="utf-8"?>
+<p:sld xmlns:a="http://schemas.openxmlformats.org/drawingml/2006/main" xmlns:r="http://schemas.openxmlformats.org/officeDocument/2006/relationships" xmlns:p="http://schemas.openxmlformats.org/presentationml/2006/main">
+  <p:cSld>
+    <p:spTree>
+      <p:nvGrpSpPr>
+        <p:cNvPr id="1" name=""/>
+        <p:cNvGrpSpPr/>
+        <p:nvPr/>
+      </p:nvGrpSpPr>
+      <p:grpSpPr>
+        <a:xfrm>
+          <a:off x="0" y="0"/>
+          <a:ext cx="0" cy="0"/>
+          <a:chOff x="0" y="0"/>
+          <a:chExt cx="0" cy="0"/>
+        </a:xfrm>
+      </p:grpSpPr>
+      <p:pic>
+        <p:nvPicPr>
+          <p:cNvPr id="5" name="Imagem 4" descr="Texto&#10;&#10;O conteúdo gerado por IA pode estar incorreto.">
+            <a:extLst>
+              <a:ext uri="{FF2B5EF4-FFF2-40B4-BE49-F238E27FC236}">
+                <a16:creationId xmlns:a16="http://schemas.microsoft.com/office/drawing/2014/main" id="{3F05589C-D4E4-B80D-E5AE-FDD1B28D3C8E}"/>
+              </a:ext>
+            </a:extLst>
+          </p:cNvPr>
+          <p:cNvPicPr>
+            <a:picLocks noChangeAspect="1"/>
+          </p:cNvPicPr>
+          <p:nvPr/>
+        </p:nvPicPr>
+        <p:blipFill>
+          <a:blip r:embed="rId2"/>
+          <a:srcRect l="3628" t="16250" r="52990" b="40735"/>
+          <a:stretch>
+            <a:fillRect/>
+          </a:stretch>
+        </p:blipFill>
+        <p:spPr>
+          <a:xfrm>
+            <a:off x="2125980" y="1680210"/>
+            <a:ext cx="3371850" cy="2228850"/>
+          </a:xfrm>
+          <a:prstGeom prst="rect">
+            <a:avLst/>
+          </a:prstGeom>
+        </p:spPr>
+      </p:pic>
+    </p:spTree>
+    <p:extLst>
+      <p:ext uri="{BB962C8B-B14F-4D97-AF65-F5344CB8AC3E}">
+        <p14:creationId xmlns:p14="http://schemas.microsoft.com/office/powerpoint/2010/main" val="3732661656"/>
+      </p:ext>
+    </p:extLst>
+  </p:cSld>
+  <p:clrMapOvr>
+    <a:masterClrMapping/>
+  </p:clrMapOvr>
+</p:sld>
+</file>
+
+<file path=ppt/slides/slide5.xml><?xml version="1.0" encoding="utf-8"?>
+<p:sld xmlns:a="http://schemas.openxmlformats.org/drawingml/2006/main" xmlns:r="http://schemas.openxmlformats.org/officeDocument/2006/relationships" xmlns:p="http://schemas.openxmlformats.org/presentationml/2006/main">
+  <p:cSld>
+    <p:spTree>
+      <p:nvGrpSpPr>
+        <p:cNvPr id="1" name=""/>
+        <p:cNvGrpSpPr/>
+        <p:nvPr/>
+      </p:nvGrpSpPr>
+      <p:grpSpPr>
+        <a:xfrm>
+          <a:off x="0" y="0"/>
+          <a:ext cx="0" cy="0"/>
+          <a:chOff x="0" y="0"/>
+          <a:chExt cx="0" cy="0"/>
+        </a:xfrm>
+      </p:grpSpPr>
+      <p:pic>
+        <p:nvPicPr>
+          <p:cNvPr id="6" name="Imagem 5" descr="Texto&#10;&#10;O conteúdo gerado por IA pode estar incorreto.">
+            <a:extLst>
+              <a:ext uri="{FF2B5EF4-FFF2-40B4-BE49-F238E27FC236}">
+                <a16:creationId xmlns:a16="http://schemas.microsoft.com/office/drawing/2014/main" id="{655CEC71-ACF5-2550-F655-7BFD7CEA6B7E}"/>
+              </a:ext>
+            </a:extLst>
+          </p:cNvPr>
+          <p:cNvPicPr>
+            <a:picLocks noChangeAspect="1"/>
+          </p:cNvPicPr>
+          <p:nvPr/>
+        </p:nvPicPr>
+        <p:blipFill>
+          <a:blip r:embed="rId2"/>
+          <a:srcRect l="51422" t="16250" r="11961" b="41838"/>
+          <a:stretch>
+            <a:fillRect/>
+          </a:stretch>
+        </p:blipFill>
+        <p:spPr>
+          <a:xfrm>
+            <a:off x="2171700" y="1680210"/>
+            <a:ext cx="2846070" cy="2171700"/>
+          </a:xfrm>
+          <a:prstGeom prst="rect">
+            <a:avLst/>
+          </a:prstGeom>
+        </p:spPr>
+      </p:pic>
+    </p:spTree>
+    <p:extLst>
+      <p:ext uri="{BB962C8B-B14F-4D97-AF65-F5344CB8AC3E}">
+        <p14:creationId xmlns:p14="http://schemas.microsoft.com/office/powerpoint/2010/main" val="3769678540"/>
       </p:ext>
     </p:extLst>
   </p:cSld>
